--- a/Predictive analytics.pptx
+++ b/Predictive analytics.pptx
@@ -5,25 +5,13 @@
     <p:sldMasterId id="2147483648" r:id="rId1"/>
   </p:sldMasterIdLst>
   <p:notesMasterIdLst>
-    <p:notesMasterId r:id="rId18"/>
+    <p:notesMasterId r:id="rId6"/>
   </p:notesMasterIdLst>
   <p:sldIdLst>
     <p:sldId id="257" r:id="rId2"/>
     <p:sldId id="258" r:id="rId3"/>
     <p:sldId id="259" r:id="rId4"/>
     <p:sldId id="260" r:id="rId5"/>
-    <p:sldId id="261" r:id="rId6"/>
-    <p:sldId id="262" r:id="rId7"/>
-    <p:sldId id="263" r:id="rId8"/>
-    <p:sldId id="264" r:id="rId9"/>
-    <p:sldId id="265" r:id="rId10"/>
-    <p:sldId id="266" r:id="rId11"/>
-    <p:sldId id="267" r:id="rId12"/>
-    <p:sldId id="268" r:id="rId13"/>
-    <p:sldId id="269" r:id="rId14"/>
-    <p:sldId id="270" r:id="rId15"/>
-    <p:sldId id="271" r:id="rId16"/>
-    <p:sldId id="272" r:id="rId17"/>
   </p:sldIdLst>
   <p:sldSz cx="12192000" cy="6858000"/>
   <p:notesSz cx="6858000" cy="9144000"/>
@@ -122,6 +110,11 @@
       </a:defRPr>
     </a:lvl9pPr>
   </p:defaultTextStyle>
+  <p:extLst>
+    <p:ext uri="{EFAFB233-063F-42B5-8137-9DF3F51BA10A}">
+      <p15:sldGuideLst xmlns:p15="http://schemas.microsoft.com/office/powerpoint/2012/main"/>
+    </p:ext>
+  </p:extLst>
 </p:presentation>
 </file>
 
@@ -207,7 +200,7 @@
           <a:p>
             <a:fld id="{FE2C0668-E993-4CD9-80C2-33F5AED418A4}" type="datetimeFigureOut">
               <a:rPr lang="en-US" smtClean="0"/>
-              <a:t>6/2/2020</a:t>
+              <a:t>6/4/2020</a:t>
             </a:fld>
             <a:endParaRPr lang="en-US"/>
           </a:p>
@@ -565,189 +558,6 @@
 </p:notes>
 </file>
 
-<file path=ppt/notesSlides/notesSlide2.xml><?xml version="1.0" encoding="utf-8"?>
-<p:notes xmlns:a="http://schemas.openxmlformats.org/drawingml/2006/main" xmlns:r="http://schemas.openxmlformats.org/officeDocument/2006/relationships" xmlns:p="http://schemas.openxmlformats.org/presentationml/2006/main">
-  <p:cSld>
-    <p:spTree>
-      <p:nvGrpSpPr>
-        <p:cNvPr id="1" name=""/>
-        <p:cNvGrpSpPr/>
-        <p:nvPr/>
-      </p:nvGrpSpPr>
-      <p:grpSpPr>
-        <a:xfrm>
-          <a:off x="0" y="0"/>
-          <a:ext cx="0" cy="0"/>
-          <a:chOff x="0" y="0"/>
-          <a:chExt cx="0" cy="0"/>
-        </a:xfrm>
-      </p:grpSpPr>
-      <p:sp>
-        <p:nvSpPr>
-          <p:cNvPr id="2" name="Slide Image Placeholder 1"/>
-          <p:cNvSpPr>
-            <a:spLocks noGrp="1" noRot="1" noChangeAspect="1"/>
-          </p:cNvSpPr>
-          <p:nvPr>
-            <p:ph type="sldImg"/>
-          </p:nvPr>
-        </p:nvSpPr>
-        <p:spPr/>
-      </p:sp>
-      <p:sp>
-        <p:nvSpPr>
-          <p:cNvPr id="3" name="Notes Placeholder 2"/>
-          <p:cNvSpPr>
-            <a:spLocks noGrp="1"/>
-          </p:cNvSpPr>
-          <p:nvPr>
-            <p:ph type="body" idx="1"/>
-          </p:nvPr>
-        </p:nvSpPr>
-        <p:spPr/>
-        <p:txBody>
-          <a:bodyPr/>
-          <a:lstStyle/>
-          <a:p>
-            <a:endParaRPr lang="en-US" dirty="0"/>
-          </a:p>
-        </p:txBody>
-      </p:sp>
-      <p:sp>
-        <p:nvSpPr>
-          <p:cNvPr id="4" name="Slide Number Placeholder 3"/>
-          <p:cNvSpPr>
-            <a:spLocks noGrp="1"/>
-          </p:cNvSpPr>
-          <p:nvPr>
-            <p:ph type="sldNum" sz="quarter" idx="10"/>
-          </p:nvPr>
-        </p:nvSpPr>
-        <p:spPr/>
-        <p:txBody>
-          <a:bodyPr/>
-          <a:lstStyle/>
-          <a:p>
-            <a:pPr>
-              <a:defRPr/>
-            </a:pPr>
-            <a:fld id="{CFC7CA5E-1C09-3A45-95A3-51BA12AE00EE}" type="slidenum">
-              <a:rPr lang="en-US" smtClean="0"/>
-              <a:pPr>
-                <a:defRPr/>
-              </a:pPr>
-              <a:t>11</a:t>
-            </a:fld>
-            <a:endParaRPr lang="en-US"/>
-          </a:p>
-        </p:txBody>
-      </p:sp>
-    </p:spTree>
-    <p:extLst>
-      <p:ext uri="{BB962C8B-B14F-4D97-AF65-F5344CB8AC3E}">
-        <p14:creationId xmlns:p14="http://schemas.microsoft.com/office/powerpoint/2010/main" val="710606860"/>
-      </p:ext>
-    </p:extLst>
-  </p:cSld>
-  <p:clrMapOvr>
-    <a:masterClrMapping/>
-  </p:clrMapOvr>
-</p:notes>
-</file>
-
-<file path=ppt/notesSlides/notesSlide3.xml><?xml version="1.0" encoding="utf-8"?>
-<p:notes xmlns:a="http://schemas.openxmlformats.org/drawingml/2006/main" xmlns:r="http://schemas.openxmlformats.org/officeDocument/2006/relationships" xmlns:p="http://schemas.openxmlformats.org/presentationml/2006/main">
-  <p:cSld>
-    <p:spTree>
-      <p:nvGrpSpPr>
-        <p:cNvPr id="1" name=""/>
-        <p:cNvGrpSpPr/>
-        <p:nvPr/>
-      </p:nvGrpSpPr>
-      <p:grpSpPr>
-        <a:xfrm>
-          <a:off x="0" y="0"/>
-          <a:ext cx="0" cy="0"/>
-          <a:chOff x="0" y="0"/>
-          <a:chExt cx="0" cy="0"/>
-        </a:xfrm>
-      </p:grpSpPr>
-      <p:sp>
-        <p:nvSpPr>
-          <p:cNvPr id="2" name="Slide Image Placeholder 1"/>
-          <p:cNvSpPr>
-            <a:spLocks noGrp="1" noRot="1" noChangeAspect="1"/>
-          </p:cNvSpPr>
-          <p:nvPr>
-            <p:ph type="sldImg"/>
-          </p:nvPr>
-        </p:nvSpPr>
-        <p:spPr/>
-      </p:sp>
-      <p:sp>
-        <p:nvSpPr>
-          <p:cNvPr id="3" name="Notes Placeholder 2"/>
-          <p:cNvSpPr>
-            <a:spLocks noGrp="1"/>
-          </p:cNvSpPr>
-          <p:nvPr>
-            <p:ph type="body" idx="1"/>
-          </p:nvPr>
-        </p:nvSpPr>
-        <p:spPr/>
-        <p:txBody>
-          <a:bodyPr/>
-          <a:lstStyle/>
-          <a:p>
-            <a:r>
-              <a:rPr lang="en-US" dirty="0"/>
-              <a:t>.005</a:t>
-            </a:r>
-          </a:p>
-        </p:txBody>
-      </p:sp>
-      <p:sp>
-        <p:nvSpPr>
-          <p:cNvPr id="4" name="Slide Number Placeholder 3"/>
-          <p:cNvSpPr>
-            <a:spLocks noGrp="1"/>
-          </p:cNvSpPr>
-          <p:nvPr>
-            <p:ph type="sldNum" sz="quarter" idx="10"/>
-          </p:nvPr>
-        </p:nvSpPr>
-        <p:spPr/>
-        <p:txBody>
-          <a:bodyPr/>
-          <a:lstStyle/>
-          <a:p>
-            <a:pPr>
-              <a:defRPr/>
-            </a:pPr>
-            <a:fld id="{CFC7CA5E-1C09-3A45-95A3-51BA12AE00EE}" type="slidenum">
-              <a:rPr lang="en-US" smtClean="0"/>
-              <a:pPr>
-                <a:defRPr/>
-              </a:pPr>
-              <a:t>12</a:t>
-            </a:fld>
-            <a:endParaRPr lang="en-US"/>
-          </a:p>
-        </p:txBody>
-      </p:sp>
-    </p:spTree>
-    <p:extLst>
-      <p:ext uri="{BB962C8B-B14F-4D97-AF65-F5344CB8AC3E}">
-        <p14:creationId xmlns:p14="http://schemas.microsoft.com/office/powerpoint/2010/main" val="1993674721"/>
-      </p:ext>
-    </p:extLst>
-  </p:cSld>
-  <p:clrMapOvr>
-    <a:masterClrMapping/>
-  </p:clrMapOvr>
-</p:notes>
-</file>
-
 <file path=ppt/slideLayouts/slideLayout1.xml><?xml version="1.0" encoding="utf-8"?>
 <p:sldLayout xmlns:a="http://schemas.openxmlformats.org/drawingml/2006/main" xmlns:r="http://schemas.openxmlformats.org/officeDocument/2006/relationships" xmlns:p="http://schemas.openxmlformats.org/presentationml/2006/main" type="title" preserve="1">
   <p:cSld name="Title Slide">
@@ -879,7 +689,7 @@
           <a:p>
             <a:fld id="{EF03E637-4123-41CE-83B4-2036BDF244B9}" type="datetimeFigureOut">
               <a:rPr lang="en-US" smtClean="0"/>
-              <a:t>6/2/2020</a:t>
+              <a:t>6/4/2020</a:t>
             </a:fld>
             <a:endParaRPr lang="en-US"/>
           </a:p>
@@ -1049,7 +859,7 @@
           <a:p>
             <a:fld id="{EF03E637-4123-41CE-83B4-2036BDF244B9}" type="datetimeFigureOut">
               <a:rPr lang="en-US" smtClean="0"/>
-              <a:t>6/2/2020</a:t>
+              <a:t>6/4/2020</a:t>
             </a:fld>
             <a:endParaRPr lang="en-US"/>
           </a:p>
@@ -1229,7 +1039,7 @@
           <a:p>
             <a:fld id="{EF03E637-4123-41CE-83B4-2036BDF244B9}" type="datetimeFigureOut">
               <a:rPr lang="en-US" smtClean="0"/>
-              <a:t>6/2/2020</a:t>
+              <a:t>6/4/2020</a:t>
             </a:fld>
             <a:endParaRPr lang="en-US"/>
           </a:p>
@@ -1399,7 +1209,7 @@
           <a:p>
             <a:fld id="{EF03E637-4123-41CE-83B4-2036BDF244B9}" type="datetimeFigureOut">
               <a:rPr lang="en-US" smtClean="0"/>
-              <a:t>6/2/2020</a:t>
+              <a:t>6/4/2020</a:t>
             </a:fld>
             <a:endParaRPr lang="en-US"/>
           </a:p>
@@ -1645,7 +1455,7 @@
           <a:p>
             <a:fld id="{EF03E637-4123-41CE-83B4-2036BDF244B9}" type="datetimeFigureOut">
               <a:rPr lang="en-US" smtClean="0"/>
-              <a:t>6/2/2020</a:t>
+              <a:t>6/4/2020</a:t>
             </a:fld>
             <a:endParaRPr lang="en-US"/>
           </a:p>
@@ -1877,7 +1687,7 @@
           <a:p>
             <a:fld id="{EF03E637-4123-41CE-83B4-2036BDF244B9}" type="datetimeFigureOut">
               <a:rPr lang="en-US" smtClean="0"/>
-              <a:t>6/2/2020</a:t>
+              <a:t>6/4/2020</a:t>
             </a:fld>
             <a:endParaRPr lang="en-US"/>
           </a:p>
@@ -2244,7 +2054,7 @@
           <a:p>
             <a:fld id="{EF03E637-4123-41CE-83B4-2036BDF244B9}" type="datetimeFigureOut">
               <a:rPr lang="en-US" smtClean="0"/>
-              <a:t>6/2/2020</a:t>
+              <a:t>6/4/2020</a:t>
             </a:fld>
             <a:endParaRPr lang="en-US"/>
           </a:p>
@@ -2362,7 +2172,7 @@
           <a:p>
             <a:fld id="{EF03E637-4123-41CE-83B4-2036BDF244B9}" type="datetimeFigureOut">
               <a:rPr lang="en-US" smtClean="0"/>
-              <a:t>6/2/2020</a:t>
+              <a:t>6/4/2020</a:t>
             </a:fld>
             <a:endParaRPr lang="en-US"/>
           </a:p>
@@ -2457,7 +2267,7 @@
           <a:p>
             <a:fld id="{EF03E637-4123-41CE-83B4-2036BDF244B9}" type="datetimeFigureOut">
               <a:rPr lang="en-US" smtClean="0"/>
-              <a:t>6/2/2020</a:t>
+              <a:t>6/4/2020</a:t>
             </a:fld>
             <a:endParaRPr lang="en-US"/>
           </a:p>
@@ -2734,7 +2544,7 @@
           <a:p>
             <a:fld id="{EF03E637-4123-41CE-83B4-2036BDF244B9}" type="datetimeFigureOut">
               <a:rPr lang="en-US" smtClean="0"/>
-              <a:t>6/2/2020</a:t>
+              <a:t>6/4/2020</a:t>
             </a:fld>
             <a:endParaRPr lang="en-US"/>
           </a:p>
@@ -2987,7 +2797,7 @@
           <a:p>
             <a:fld id="{EF03E637-4123-41CE-83B4-2036BDF244B9}" type="datetimeFigureOut">
               <a:rPr lang="en-US" smtClean="0"/>
-              <a:t>6/2/2020</a:t>
+              <a:t>6/4/2020</a:t>
             </a:fld>
             <a:endParaRPr lang="en-US"/>
           </a:p>
@@ -3200,7 +3010,7 @@
           <a:p>
             <a:fld id="{EF03E637-4123-41CE-83B4-2036BDF244B9}" type="datetimeFigureOut">
               <a:rPr lang="en-US" smtClean="0"/>
-              <a:t>6/2/2020</a:t>
+              <a:t>6/4/2020</a:t>
             </a:fld>
             <a:endParaRPr lang="en-US"/>
           </a:p>
@@ -3610,7 +3420,7 @@
           <p:cNvPr id="2" name="Title 1">
             <a:extLst>
               <a:ext uri="{FF2B5EF4-FFF2-40B4-BE49-F238E27FC236}">
-                <a16:creationId xmlns:a16="http://schemas.microsoft.com/office/drawing/2014/main" xmlns="" id="{015EA5D6-2875-FB49-9F33-AA864FEAA69B}"/>
+                <a16:creationId xmlns="" xmlns:a16="http://schemas.microsoft.com/office/drawing/2014/main" id="{015EA5D6-2875-FB49-9F33-AA864FEAA69B}"/>
               </a:ext>
             </a:extLst>
           </p:cNvPr>
@@ -3638,7 +3448,7 @@
           <p:cNvPr id="3" name="Content Placeholder 2">
             <a:extLst>
               <a:ext uri="{FF2B5EF4-FFF2-40B4-BE49-F238E27FC236}">
-                <a16:creationId xmlns:a16="http://schemas.microsoft.com/office/drawing/2014/main" xmlns="" id="{EEB530B9-3E21-764B-A075-DC11881BD28F}"/>
+                <a16:creationId xmlns="" xmlns:a16="http://schemas.microsoft.com/office/drawing/2014/main" id="{EEB530B9-3E21-764B-A075-DC11881BD28F}"/>
               </a:ext>
             </a:extLst>
           </p:cNvPr>
@@ -3683,1095 +3493,6 @@
     <p:extLst>
       <p:ext uri="{BB962C8B-B14F-4D97-AF65-F5344CB8AC3E}">
         <p14:creationId xmlns:p14="http://schemas.microsoft.com/office/powerpoint/2010/main" val="1235903872"/>
-      </p:ext>
-    </p:extLst>
-  </p:cSld>
-  <p:clrMapOvr>
-    <a:masterClrMapping/>
-  </p:clrMapOvr>
-</p:sld>
-</file>
-
-<file path=ppt/slides/slide10.xml><?xml version="1.0" encoding="utf-8"?>
-<p:sld xmlns:a="http://schemas.openxmlformats.org/drawingml/2006/main" xmlns:r="http://schemas.openxmlformats.org/officeDocument/2006/relationships" xmlns:p="http://schemas.openxmlformats.org/presentationml/2006/main">
-  <p:cSld>
-    <p:spTree>
-      <p:nvGrpSpPr>
-        <p:cNvPr id="1" name=""/>
-        <p:cNvGrpSpPr/>
-        <p:nvPr/>
-      </p:nvGrpSpPr>
-      <p:grpSpPr>
-        <a:xfrm>
-          <a:off x="0" y="0"/>
-          <a:ext cx="0" cy="0"/>
-          <a:chOff x="0" y="0"/>
-          <a:chExt cx="0" cy="0"/>
-        </a:xfrm>
-      </p:grpSpPr>
-      <p:sp>
-        <p:nvSpPr>
-          <p:cNvPr id="2" name="Title 1">
-            <a:extLst>
-              <a:ext uri="{FF2B5EF4-FFF2-40B4-BE49-F238E27FC236}">
-                <a16:creationId xmlns:a16="http://schemas.microsoft.com/office/drawing/2014/main" xmlns="" id="{742DD4F7-E13B-1242-ACF8-FC5E17120E3C}"/>
-              </a:ext>
-            </a:extLst>
-          </p:cNvPr>
-          <p:cNvSpPr>
-            <a:spLocks noGrp="1"/>
-          </p:cNvSpPr>
-          <p:nvPr>
-            <p:ph type="title"/>
-          </p:nvPr>
-        </p:nvSpPr>
-        <p:spPr/>
-        <p:txBody>
-          <a:bodyPr/>
-          <a:lstStyle/>
-          <a:p>
-            <a:r>
-              <a:rPr lang="en-US" dirty="0"/>
-              <a:t>Class walk through</a:t>
-            </a:r>
-          </a:p>
-        </p:txBody>
-      </p:sp>
-      <p:sp>
-        <p:nvSpPr>
-          <p:cNvPr id="3" name="Content Placeholder 2">
-            <a:extLst>
-              <a:ext uri="{FF2B5EF4-FFF2-40B4-BE49-F238E27FC236}">
-                <a16:creationId xmlns:a16="http://schemas.microsoft.com/office/drawing/2014/main" xmlns="" id="{E051DF44-699A-8B4B-A5A4-50ECE58456FE}"/>
-              </a:ext>
-            </a:extLst>
-          </p:cNvPr>
-          <p:cNvSpPr>
-            <a:spLocks noGrp="1"/>
-          </p:cNvSpPr>
-          <p:nvPr>
-            <p:ph idx="1"/>
-          </p:nvPr>
-        </p:nvSpPr>
-        <p:spPr/>
-        <p:txBody>
-          <a:bodyPr>
-            <a:normAutofit/>
-          </a:bodyPr>
-          <a:lstStyle/>
-          <a:p>
-            <a:r>
-              <a:rPr lang="en-US" dirty="0"/>
-              <a:t>Basket of goods analysis on </a:t>
-            </a:r>
-            <a:r>
-              <a:rPr lang="en-US" dirty="0" err="1"/>
-              <a:t>ClassicModels</a:t>
-            </a:r>
-            <a:endParaRPr lang="en-US" dirty="0"/>
-          </a:p>
-          <a:p>
-            <a:pPr lvl="1"/>
-            <a:r>
-              <a:rPr lang="en-US" dirty="0"/>
-              <a:t>Extract order Id and product name</a:t>
-            </a:r>
-          </a:p>
-          <a:p>
-            <a:pPr marL="457200" lvl="1" indent="0">
-              <a:buNone/>
-            </a:pPr>
-            <a:r>
-              <a:rPr lang="en-US" sz="1800" dirty="0">
-                <a:latin typeface="Courier New" panose="02070309020205020404" pitchFamily="49" charset="0"/>
-                <a:cs typeface="Courier New" panose="02070309020205020404" pitchFamily="49" charset="0"/>
-              </a:rPr>
-              <a:t>library(DBI)</a:t>
-            </a:r>
-          </a:p>
-          <a:p>
-            <a:pPr marL="457200" lvl="1" indent="0">
-              <a:buNone/>
-            </a:pPr>
-            <a:r>
-              <a:rPr lang="en-US" sz="1800" dirty="0">
-                <a:latin typeface="Courier New" panose="02070309020205020404" pitchFamily="49" charset="0"/>
-                <a:cs typeface="Courier New" panose="02070309020205020404" pitchFamily="49" charset="0"/>
-              </a:rPr>
-              <a:t>library(</a:t>
-            </a:r>
-            <a:r>
-              <a:rPr lang="en-US" sz="1800" dirty="0" err="1">
-                <a:latin typeface="Courier New" panose="02070309020205020404" pitchFamily="49" charset="0"/>
-                <a:cs typeface="Courier New" panose="02070309020205020404" pitchFamily="49" charset="0"/>
-              </a:rPr>
-              <a:t>RMySQL</a:t>
-            </a:r>
-            <a:r>
-              <a:rPr lang="en-US" sz="1800" dirty="0">
-                <a:latin typeface="Courier New" panose="02070309020205020404" pitchFamily="49" charset="0"/>
-                <a:cs typeface="Courier New" panose="02070309020205020404" pitchFamily="49" charset="0"/>
-              </a:rPr>
-              <a:t>)</a:t>
-            </a:r>
-          </a:p>
-          <a:p>
-            <a:pPr marL="457200" lvl="1" indent="0">
-              <a:buNone/>
-            </a:pPr>
-            <a:r>
-              <a:rPr lang="en-US" sz="1800" dirty="0">
-                <a:latin typeface="Courier New" panose="02070309020205020404" pitchFamily="49" charset="0"/>
-                <a:cs typeface="Courier New" panose="02070309020205020404" pitchFamily="49" charset="0"/>
-              </a:rPr>
-              <a:t>conn &lt;- </a:t>
-            </a:r>
-            <a:r>
-              <a:rPr lang="en-US" sz="1800" dirty="0" err="1">
-                <a:latin typeface="Courier New" panose="02070309020205020404" pitchFamily="49" charset="0"/>
-                <a:cs typeface="Courier New" panose="02070309020205020404" pitchFamily="49" charset="0"/>
-              </a:rPr>
-              <a:t>dbConnect</a:t>
-            </a:r>
-            <a:r>
-              <a:rPr lang="en-US" sz="1800" dirty="0">
-                <a:latin typeface="Courier New" panose="02070309020205020404" pitchFamily="49" charset="0"/>
-                <a:cs typeface="Courier New" panose="02070309020205020404" pitchFamily="49" charset="0"/>
-              </a:rPr>
-              <a:t>(</a:t>
-            </a:r>
-            <a:r>
-              <a:rPr lang="en-US" sz="1800" dirty="0" err="1">
-                <a:latin typeface="Courier New" panose="02070309020205020404" pitchFamily="49" charset="0"/>
-                <a:cs typeface="Courier New" panose="02070309020205020404" pitchFamily="49" charset="0"/>
-              </a:rPr>
-              <a:t>RMySQL</a:t>
-            </a:r>
-            <a:r>
-              <a:rPr lang="en-US" sz="1800" dirty="0">
-                <a:latin typeface="Courier New" panose="02070309020205020404" pitchFamily="49" charset="0"/>
-                <a:cs typeface="Courier New" panose="02070309020205020404" pitchFamily="49" charset="0"/>
-              </a:rPr>
-              <a:t>::MySQL(), "</a:t>
-            </a:r>
-            <a:r>
-              <a:rPr lang="en-US" sz="1800" dirty="0" err="1">
-                <a:latin typeface="Courier New" panose="02070309020205020404" pitchFamily="49" charset="0"/>
-                <a:cs typeface="Courier New" panose="02070309020205020404" pitchFamily="49" charset="0"/>
-              </a:rPr>
-              <a:t>richardtwatson.com</a:t>
-            </a:r>
-            <a:r>
-              <a:rPr lang="en-US" sz="1800" dirty="0">
-                <a:latin typeface="Courier New" panose="02070309020205020404" pitchFamily="49" charset="0"/>
-                <a:cs typeface="Courier New" panose="02070309020205020404" pitchFamily="49" charset="0"/>
-              </a:rPr>
-              <a:t>", </a:t>
-            </a:r>
-            <a:r>
-              <a:rPr lang="en-US" sz="1800" dirty="0" err="1">
-                <a:latin typeface="Courier New" panose="02070309020205020404" pitchFamily="49" charset="0"/>
-                <a:cs typeface="Courier New" panose="02070309020205020404" pitchFamily="49" charset="0"/>
-              </a:rPr>
-              <a:t>dbname</a:t>
-            </a:r>
-            <a:r>
-              <a:rPr lang="en-US" sz="1800" dirty="0">
-                <a:latin typeface="Courier New" panose="02070309020205020404" pitchFamily="49" charset="0"/>
-                <a:cs typeface="Courier New" panose="02070309020205020404" pitchFamily="49" charset="0"/>
-              </a:rPr>
-              <a:t>="</a:t>
-            </a:r>
-            <a:r>
-              <a:rPr lang="en-US" sz="1800" dirty="0" err="1">
-                <a:latin typeface="Courier New" panose="02070309020205020404" pitchFamily="49" charset="0"/>
-                <a:cs typeface="Courier New" panose="02070309020205020404" pitchFamily="49" charset="0"/>
-              </a:rPr>
-              <a:t>ClassicModels</a:t>
-            </a:r>
-            <a:r>
-              <a:rPr lang="en-US" sz="1800" dirty="0">
-                <a:latin typeface="Courier New" panose="02070309020205020404" pitchFamily="49" charset="0"/>
-                <a:cs typeface="Courier New" panose="02070309020205020404" pitchFamily="49" charset="0"/>
-              </a:rPr>
-              <a:t>", user=”student", password="student")</a:t>
-            </a:r>
-          </a:p>
-          <a:p>
-            <a:pPr marL="457200" lvl="1" indent="0">
-              <a:buNone/>
-            </a:pPr>
-            <a:r>
-              <a:rPr lang="en-US" sz="1800" dirty="0">
-                <a:latin typeface="Courier New" panose="02070309020205020404" pitchFamily="49" charset="0"/>
-                <a:cs typeface="Courier New" panose="02070309020205020404" pitchFamily="49" charset="0"/>
-              </a:rPr>
-              <a:t>t &lt;- </a:t>
-            </a:r>
-            <a:r>
-              <a:rPr lang="en-US" sz="1800" dirty="0" err="1">
-                <a:latin typeface="Courier New" panose="02070309020205020404" pitchFamily="49" charset="0"/>
-                <a:cs typeface="Courier New" panose="02070309020205020404" pitchFamily="49" charset="0"/>
-              </a:rPr>
-              <a:t>dbGetQuery</a:t>
-            </a:r>
-            <a:r>
-              <a:rPr lang="en-US" sz="1800" dirty="0">
-                <a:latin typeface="Courier New" panose="02070309020205020404" pitchFamily="49" charset="0"/>
-                <a:cs typeface="Courier New" panose="02070309020205020404" pitchFamily="49" charset="0"/>
-              </a:rPr>
-              <a:t>(conn, 'SELECT </a:t>
-            </a:r>
-            <a:r>
-              <a:rPr lang="en-US" sz="1800" dirty="0" err="1">
-                <a:latin typeface="Courier New" panose="02070309020205020404" pitchFamily="49" charset="0"/>
-                <a:cs typeface="Courier New" panose="02070309020205020404" pitchFamily="49" charset="0"/>
-              </a:rPr>
-              <a:t>productName</a:t>
-            </a:r>
-            <a:r>
-              <a:rPr lang="en-US" sz="1800" dirty="0">
-                <a:latin typeface="Courier New" panose="02070309020205020404" pitchFamily="49" charset="0"/>
-                <a:cs typeface="Courier New" panose="02070309020205020404" pitchFamily="49" charset="0"/>
-              </a:rPr>
-              <a:t>, </a:t>
-            </a:r>
-            <a:r>
-              <a:rPr lang="en-US" sz="1800" dirty="0" err="1">
-                <a:latin typeface="Courier New" panose="02070309020205020404" pitchFamily="49" charset="0"/>
-                <a:cs typeface="Courier New" panose="02070309020205020404" pitchFamily="49" charset="0"/>
-              </a:rPr>
-              <a:t>orderNumber</a:t>
-            </a:r>
-            <a:r>
-              <a:rPr lang="en-US" sz="1800" dirty="0">
-                <a:latin typeface="Courier New" panose="02070309020205020404" pitchFamily="49" charset="0"/>
-                <a:cs typeface="Courier New" panose="02070309020205020404" pitchFamily="49" charset="0"/>
-              </a:rPr>
-              <a:t> FROM Products JOIN </a:t>
-            </a:r>
-            <a:r>
-              <a:rPr lang="en-US" sz="1800" dirty="0" err="1">
-                <a:latin typeface="Courier New" panose="02070309020205020404" pitchFamily="49" charset="0"/>
-                <a:cs typeface="Courier New" panose="02070309020205020404" pitchFamily="49" charset="0"/>
-              </a:rPr>
-              <a:t>OrderDetails</a:t>
-            </a:r>
-            <a:r>
-              <a:rPr lang="en-US" sz="1800" dirty="0">
-                <a:latin typeface="Courier New" panose="02070309020205020404" pitchFamily="49" charset="0"/>
-                <a:cs typeface="Courier New" panose="02070309020205020404" pitchFamily="49" charset="0"/>
-              </a:rPr>
-              <a:t> ON </a:t>
-            </a:r>
-            <a:r>
-              <a:rPr lang="en-US" sz="1800" dirty="0" err="1">
-                <a:latin typeface="Courier New" panose="02070309020205020404" pitchFamily="49" charset="0"/>
-                <a:cs typeface="Courier New" panose="02070309020205020404" pitchFamily="49" charset="0"/>
-              </a:rPr>
-              <a:t>Products.productCode</a:t>
-            </a:r>
-            <a:r>
-              <a:rPr lang="en-US" sz="1800" dirty="0">
-                <a:latin typeface="Courier New" panose="02070309020205020404" pitchFamily="49" charset="0"/>
-                <a:cs typeface="Courier New" panose="02070309020205020404" pitchFamily="49" charset="0"/>
-              </a:rPr>
-              <a:t> = </a:t>
-            </a:r>
-            <a:r>
-              <a:rPr lang="en-US" sz="1800" dirty="0" err="1">
-                <a:latin typeface="Courier New" panose="02070309020205020404" pitchFamily="49" charset="0"/>
-                <a:cs typeface="Courier New" panose="02070309020205020404" pitchFamily="49" charset="0"/>
-              </a:rPr>
-              <a:t>OrderDetails.productCode</a:t>
-            </a:r>
-            <a:r>
-              <a:rPr lang="en-US" sz="1800" dirty="0">
-                <a:latin typeface="Courier New" panose="02070309020205020404" pitchFamily="49" charset="0"/>
-                <a:cs typeface="Courier New" panose="02070309020205020404" pitchFamily="49" charset="0"/>
-              </a:rPr>
-              <a:t>;’)</a:t>
-            </a:r>
-          </a:p>
-          <a:p>
-            <a:r>
-              <a:rPr lang="en-US" sz="2200" dirty="0">
-                <a:latin typeface="Calibri" panose="020F0502020204030204" pitchFamily="34" charset="0"/>
-                <a:cs typeface="Calibri" panose="020F0502020204030204" pitchFamily="34" charset="0"/>
-              </a:rPr>
-              <a:t>OR</a:t>
-            </a:r>
-          </a:p>
-          <a:p>
-            <a:pPr lvl="1"/>
-            <a:r>
-              <a:rPr lang="en-US" sz="1800" dirty="0">
-                <a:latin typeface="Calibri" panose="020F0502020204030204" pitchFamily="34" charset="0"/>
-                <a:cs typeface="Calibri" panose="020F0502020204030204" pitchFamily="34" charset="0"/>
-              </a:rPr>
-              <a:t>http://3.132.224.162/data/</a:t>
-            </a:r>
-            <a:r>
-              <a:rPr lang="en-US" sz="1800" dirty="0" err="1">
-                <a:latin typeface="Calibri" panose="020F0502020204030204" pitchFamily="34" charset="0"/>
-                <a:cs typeface="Calibri" panose="020F0502020204030204" pitchFamily="34" charset="0"/>
-              </a:rPr>
-              <a:t>ClassicModels_source.csv</a:t>
-            </a:r>
-            <a:endParaRPr lang="en-US" sz="1800" dirty="0">
-              <a:latin typeface="Calibri" panose="020F0502020204030204" pitchFamily="34" charset="0"/>
-              <a:cs typeface="Calibri" panose="020F0502020204030204" pitchFamily="34" charset="0"/>
-            </a:endParaRPr>
-          </a:p>
-          <a:p>
-            <a:endParaRPr lang="en-US" sz="2200" dirty="0">
-              <a:latin typeface="Courier New" panose="02070309020205020404" pitchFamily="49" charset="0"/>
-              <a:cs typeface="Courier New" panose="02070309020205020404" pitchFamily="49" charset="0"/>
-            </a:endParaRPr>
-          </a:p>
-        </p:txBody>
-      </p:sp>
-    </p:spTree>
-    <p:extLst>
-      <p:ext uri="{BB962C8B-B14F-4D97-AF65-F5344CB8AC3E}">
-        <p14:creationId xmlns:p14="http://schemas.microsoft.com/office/powerpoint/2010/main" val="429902950"/>
-      </p:ext>
-    </p:extLst>
-  </p:cSld>
-  <p:clrMapOvr>
-    <a:masterClrMapping/>
-  </p:clrMapOvr>
-</p:sld>
-</file>
-
-<file path=ppt/slides/slide11.xml><?xml version="1.0" encoding="utf-8"?>
-<p:sld xmlns:a="http://schemas.openxmlformats.org/drawingml/2006/main" xmlns:r="http://schemas.openxmlformats.org/officeDocument/2006/relationships" xmlns:p="http://schemas.openxmlformats.org/presentationml/2006/main">
-  <p:cSld>
-    <p:spTree>
-      <p:nvGrpSpPr>
-        <p:cNvPr id="1" name=""/>
-        <p:cNvGrpSpPr/>
-        <p:nvPr/>
-      </p:nvGrpSpPr>
-      <p:grpSpPr>
-        <a:xfrm>
-          <a:off x="0" y="0"/>
-          <a:ext cx="0" cy="0"/>
-          <a:chOff x="0" y="0"/>
-          <a:chExt cx="0" cy="0"/>
-        </a:xfrm>
-      </p:grpSpPr>
-      <p:sp>
-        <p:nvSpPr>
-          <p:cNvPr id="2" name="Title 1">
-            <a:extLst>
-              <a:ext uri="{FF2B5EF4-FFF2-40B4-BE49-F238E27FC236}">
-                <a16:creationId xmlns:a16="http://schemas.microsoft.com/office/drawing/2014/main" xmlns="" id="{C12ED30C-5DBC-1F4C-B22C-329B428801A8}"/>
-              </a:ext>
-            </a:extLst>
-          </p:cNvPr>
-          <p:cNvSpPr>
-            <a:spLocks noGrp="1"/>
-          </p:cNvSpPr>
-          <p:nvPr>
-            <p:ph type="title"/>
-          </p:nvPr>
-        </p:nvSpPr>
-        <p:spPr/>
-        <p:txBody>
-          <a:bodyPr/>
-          <a:lstStyle/>
-          <a:p>
-            <a:r>
-              <a:rPr lang="en-US" dirty="0"/>
-              <a:t>Association rule mining: </a:t>
-            </a:r>
-            <a:br>
-              <a:rPr lang="en-US" dirty="0"/>
-            </a:br>
-            <a:r>
-              <a:rPr lang="en-US" dirty="0"/>
-              <a:t>basket of goods analysis</a:t>
-            </a:r>
-          </a:p>
-        </p:txBody>
-      </p:sp>
-      <p:sp>
-        <p:nvSpPr>
-          <p:cNvPr id="3" name="Content Placeholder 2">
-            <a:extLst>
-              <a:ext uri="{FF2B5EF4-FFF2-40B4-BE49-F238E27FC236}">
-                <a16:creationId xmlns:a16="http://schemas.microsoft.com/office/drawing/2014/main" xmlns="" id="{93C95251-5F59-6C48-AB5A-10EC11BD8FD2}"/>
-              </a:ext>
-            </a:extLst>
-          </p:cNvPr>
-          <p:cNvSpPr>
-            <a:spLocks noGrp="1"/>
-          </p:cNvSpPr>
-          <p:nvPr>
-            <p:ph idx="1"/>
-          </p:nvPr>
-        </p:nvSpPr>
-        <p:spPr/>
-        <p:txBody>
-          <a:bodyPr>
-            <a:normAutofit/>
-          </a:bodyPr>
-          <a:lstStyle/>
-          <a:p>
-            <a:r>
-              <a:rPr lang="en-US" dirty="0"/>
-              <a:t>Support</a:t>
-            </a:r>
-          </a:p>
-          <a:p>
-            <a:pPr lvl="1"/>
-            <a:r>
-              <a:rPr lang="en-US" dirty="0"/>
-              <a:t>The proportion of the times an </a:t>
-            </a:r>
-            <a:r>
-              <a:rPr lang="en-US" dirty="0" err="1"/>
-              <a:t>itemset</a:t>
-            </a:r>
-            <a:r>
-              <a:rPr lang="en-US"/>
-              <a:t> occurs </a:t>
-            </a:r>
-            <a:r>
-              <a:rPr lang="en-US" dirty="0"/>
-              <a:t>in the dataset</a:t>
-            </a:r>
-          </a:p>
-          <a:p>
-            <a:pPr lvl="2"/>
-            <a:r>
-              <a:rPr lang="en-US" dirty="0"/>
-              <a:t>Vary until you get a response in a reasonable time</a:t>
-            </a:r>
-          </a:p>
-          <a:p>
-            <a:r>
-              <a:rPr lang="en-US" dirty="0"/>
-              <a:t>Confidence</a:t>
-            </a:r>
-          </a:p>
-          <a:p>
-            <a:pPr lvl="1"/>
-            <a:r>
-              <a:rPr lang="en-US" dirty="0"/>
-              <a:t>Probability that a rule is correct</a:t>
-            </a:r>
-          </a:p>
-          <a:p>
-            <a:r>
-              <a:rPr lang="en-US" dirty="0"/>
-              <a:t>Lift</a:t>
-            </a:r>
-          </a:p>
-          <a:p>
-            <a:pPr lvl="1"/>
-            <a:r>
-              <a:rPr lang="en-US" dirty="0"/>
-              <a:t>The ratio by which the confidence of a rule exceeds the expected confidence</a:t>
-            </a:r>
-          </a:p>
-          <a:p>
-            <a:pPr lvl="2"/>
-            <a:r>
-              <a:rPr lang="en-US" dirty="0"/>
-              <a:t>1 indicates items are independent and there is no relationship</a:t>
-            </a:r>
-          </a:p>
-          <a:p>
-            <a:pPr lvl="2"/>
-            <a:r>
-              <a:rPr lang="en-US" dirty="0"/>
-              <a:t>Look for lift &gt; 1</a:t>
-            </a:r>
-          </a:p>
-        </p:txBody>
-      </p:sp>
-    </p:spTree>
-    <p:extLst>
-      <p:ext uri="{BB962C8B-B14F-4D97-AF65-F5344CB8AC3E}">
-        <p14:creationId xmlns:p14="http://schemas.microsoft.com/office/powerpoint/2010/main" val="1372216691"/>
-      </p:ext>
-    </p:extLst>
-  </p:cSld>
-  <p:clrMapOvr>
-    <a:masterClrMapping/>
-  </p:clrMapOvr>
-</p:sld>
-</file>
-
-<file path=ppt/slides/slide12.xml><?xml version="1.0" encoding="utf-8"?>
-<p:sld xmlns:a="http://schemas.openxmlformats.org/drawingml/2006/main" xmlns:r="http://schemas.openxmlformats.org/officeDocument/2006/relationships" xmlns:p="http://schemas.openxmlformats.org/presentationml/2006/main">
-  <p:cSld>
-    <p:spTree>
-      <p:nvGrpSpPr>
-        <p:cNvPr id="1" name=""/>
-        <p:cNvGrpSpPr/>
-        <p:nvPr/>
-      </p:nvGrpSpPr>
-      <p:grpSpPr>
-        <a:xfrm>
-          <a:off x="0" y="0"/>
-          <a:ext cx="0" cy="0"/>
-          <a:chOff x="0" y="0"/>
-          <a:chExt cx="0" cy="0"/>
-        </a:xfrm>
-      </p:grpSpPr>
-      <p:sp>
-        <p:nvSpPr>
-          <p:cNvPr id="2" name="Title 1">
-            <a:extLst>
-              <a:ext uri="{FF2B5EF4-FFF2-40B4-BE49-F238E27FC236}">
-                <a16:creationId xmlns:a16="http://schemas.microsoft.com/office/drawing/2014/main" xmlns="" id="{742DD4F7-E13B-1242-ACF8-FC5E17120E3C}"/>
-              </a:ext>
-            </a:extLst>
-          </p:cNvPr>
-          <p:cNvSpPr>
-            <a:spLocks noGrp="1"/>
-          </p:cNvSpPr>
-          <p:nvPr>
-            <p:ph type="title"/>
-          </p:nvPr>
-        </p:nvSpPr>
-        <p:spPr/>
-        <p:txBody>
-          <a:bodyPr/>
-          <a:lstStyle/>
-          <a:p>
-            <a:r>
-              <a:rPr lang="en-US" dirty="0"/>
-              <a:t>Class walk through (</a:t>
-            </a:r>
-            <a:r>
-              <a:rPr lang="en-US" dirty="0" err="1"/>
-              <a:t>cont</a:t>
-            </a:r>
-            <a:r>
-              <a:rPr lang="en-US" dirty="0"/>
-              <a:t>)</a:t>
-            </a:r>
-          </a:p>
-        </p:txBody>
-      </p:sp>
-      <p:sp>
-        <p:nvSpPr>
-          <p:cNvPr id="3" name="Content Placeholder 2">
-            <a:extLst>
-              <a:ext uri="{FF2B5EF4-FFF2-40B4-BE49-F238E27FC236}">
-                <a16:creationId xmlns:a16="http://schemas.microsoft.com/office/drawing/2014/main" xmlns="" id="{E051DF44-699A-8B4B-A5A4-50ECE58456FE}"/>
-              </a:ext>
-            </a:extLst>
-          </p:cNvPr>
-          <p:cNvSpPr>
-            <a:spLocks noGrp="1"/>
-          </p:cNvSpPr>
-          <p:nvPr>
-            <p:ph idx="1"/>
-          </p:nvPr>
-        </p:nvSpPr>
-        <p:spPr/>
-        <p:txBody>
-          <a:bodyPr/>
-          <a:lstStyle/>
-          <a:p>
-            <a:r>
-              <a:rPr lang="en-US" dirty="0"/>
-              <a:t>Run analytics &gt; Run Association Rules</a:t>
-            </a:r>
-          </a:p>
-          <a:p>
-            <a:pPr lvl="1"/>
-            <a:r>
-              <a:rPr lang="en-US" dirty="0"/>
-              <a:t>Adjust </a:t>
-            </a:r>
-            <a:r>
-              <a:rPr lang="en-US" dirty="0" err="1"/>
-              <a:t>min_support</a:t>
-            </a:r>
-            <a:r>
-              <a:rPr lang="en-US" dirty="0"/>
-              <a:t> until you get rid of the error.</a:t>
-            </a:r>
-          </a:p>
-          <a:p>
-            <a:pPr lvl="1"/>
-            <a:r>
-              <a:rPr lang="en-US" dirty="0"/>
-              <a:t>Show support with 4 decimals</a:t>
-            </a:r>
-          </a:p>
-          <a:p>
-            <a:pPr lvl="1"/>
-            <a:r>
-              <a:rPr lang="en-US" dirty="0"/>
-              <a:t>Show confidence and lift with 2 decimals</a:t>
-            </a:r>
-          </a:p>
-          <a:p>
-            <a:pPr lvl="1"/>
-            <a:r>
-              <a:rPr lang="en-US" dirty="0"/>
-              <a:t>Compute the number of transactions for each pair</a:t>
-            </a:r>
-          </a:p>
-          <a:p>
-            <a:pPr lvl="2"/>
-            <a:r>
-              <a:rPr lang="en-US" dirty="0"/>
-              <a:t>Hint there are 326 orders in </a:t>
-            </a:r>
-            <a:r>
-              <a:rPr lang="en-US" dirty="0" err="1"/>
-              <a:t>ClassicModels</a:t>
-            </a:r>
-            <a:endParaRPr lang="en-US" dirty="0"/>
-          </a:p>
-        </p:txBody>
-      </p:sp>
-    </p:spTree>
-    <p:extLst>
-      <p:ext uri="{BB962C8B-B14F-4D97-AF65-F5344CB8AC3E}">
-        <p14:creationId xmlns:p14="http://schemas.microsoft.com/office/powerpoint/2010/main" val="812014707"/>
-      </p:ext>
-    </p:extLst>
-  </p:cSld>
-  <p:clrMapOvr>
-    <a:masterClrMapping/>
-  </p:clrMapOvr>
-</p:sld>
-</file>
-
-<file path=ppt/slides/slide13.xml><?xml version="1.0" encoding="utf-8"?>
-<p:sld xmlns:a="http://schemas.openxmlformats.org/drawingml/2006/main" xmlns:r="http://schemas.openxmlformats.org/officeDocument/2006/relationships" xmlns:p="http://schemas.openxmlformats.org/presentationml/2006/main">
-  <p:cSld>
-    <p:spTree>
-      <p:nvGrpSpPr>
-        <p:cNvPr id="1" name=""/>
-        <p:cNvGrpSpPr/>
-        <p:nvPr/>
-      </p:nvGrpSpPr>
-      <p:grpSpPr>
-        <a:xfrm>
-          <a:off x="0" y="0"/>
-          <a:ext cx="0" cy="0"/>
-          <a:chOff x="0" y="0"/>
-          <a:chExt cx="0" cy="0"/>
-        </a:xfrm>
-      </p:grpSpPr>
-      <p:sp>
-        <p:nvSpPr>
-          <p:cNvPr id="2" name="Title 1">
-            <a:extLst>
-              <a:ext uri="{FF2B5EF4-FFF2-40B4-BE49-F238E27FC236}">
-                <a16:creationId xmlns:a16="http://schemas.microsoft.com/office/drawing/2014/main" xmlns="" id="{D1C3B815-3167-0D49-85AA-6F04334C765B}"/>
-              </a:ext>
-            </a:extLst>
-          </p:cNvPr>
-          <p:cNvSpPr>
-            <a:spLocks noGrp="1"/>
-          </p:cNvSpPr>
-          <p:nvPr>
-            <p:ph type="title"/>
-          </p:nvPr>
-        </p:nvSpPr>
-        <p:spPr/>
-        <p:txBody>
-          <a:bodyPr/>
-          <a:lstStyle/>
-          <a:p>
-            <a:r>
-              <a:rPr lang="en-US" dirty="0"/>
-              <a:t>Class work through (</a:t>
-            </a:r>
-            <a:r>
-              <a:rPr lang="en-US" dirty="0" err="1"/>
-              <a:t>cont</a:t>
-            </a:r>
-            <a:r>
-              <a:rPr lang="en-US" dirty="0"/>
-              <a:t>)</a:t>
-            </a:r>
-          </a:p>
-        </p:txBody>
-      </p:sp>
-      <p:sp>
-        <p:nvSpPr>
-          <p:cNvPr id="3" name="Content Placeholder 2">
-            <a:extLst>
-              <a:ext uri="{FF2B5EF4-FFF2-40B4-BE49-F238E27FC236}">
-                <a16:creationId xmlns:a16="http://schemas.microsoft.com/office/drawing/2014/main" xmlns="" id="{6C900E2A-F0FF-384B-BE10-4790039A8B6B}"/>
-              </a:ext>
-            </a:extLst>
-          </p:cNvPr>
-          <p:cNvSpPr>
-            <a:spLocks noGrp="1"/>
-          </p:cNvSpPr>
-          <p:nvPr>
-            <p:ph idx="1"/>
-          </p:nvPr>
-        </p:nvSpPr>
-        <p:spPr/>
-        <p:txBody>
-          <a:bodyPr/>
-          <a:lstStyle/>
-          <a:p>
-            <a:r>
-              <a:rPr lang="en-US" dirty="0"/>
-              <a:t>There are too many rules</a:t>
-            </a:r>
-          </a:p>
-          <a:p>
-            <a:pPr lvl="1"/>
-            <a:r>
-              <a:rPr lang="en-US" dirty="0"/>
-              <a:t>Filter to all those above 25 transactions</a:t>
-            </a:r>
-          </a:p>
-          <a:p>
-            <a:r>
-              <a:rPr lang="en-US" dirty="0"/>
-              <a:t>What would you prescribe?</a:t>
-            </a:r>
-          </a:p>
-        </p:txBody>
-      </p:sp>
-    </p:spTree>
-    <p:extLst>
-      <p:ext uri="{BB962C8B-B14F-4D97-AF65-F5344CB8AC3E}">
-        <p14:creationId xmlns:p14="http://schemas.microsoft.com/office/powerpoint/2010/main" val="2368673726"/>
-      </p:ext>
-    </p:extLst>
-  </p:cSld>
-  <p:clrMapOvr>
-    <a:masterClrMapping/>
-  </p:clrMapOvr>
-</p:sld>
-</file>
-
-<file path=ppt/slides/slide14.xml><?xml version="1.0" encoding="utf-8"?>
-<p:sld xmlns:a="http://schemas.openxmlformats.org/drawingml/2006/main" xmlns:r="http://schemas.openxmlformats.org/officeDocument/2006/relationships" xmlns:p="http://schemas.openxmlformats.org/presentationml/2006/main">
-  <p:cSld>
-    <p:spTree>
-      <p:nvGrpSpPr>
-        <p:cNvPr id="1" name=""/>
-        <p:cNvGrpSpPr/>
-        <p:nvPr/>
-      </p:nvGrpSpPr>
-      <p:grpSpPr>
-        <a:xfrm>
-          <a:off x="0" y="0"/>
-          <a:ext cx="0" cy="0"/>
-          <a:chOff x="0" y="0"/>
-          <a:chExt cx="0" cy="0"/>
-        </a:xfrm>
-      </p:grpSpPr>
-      <p:sp>
-        <p:nvSpPr>
-          <p:cNvPr id="3" name="Title 2">
-            <a:extLst>
-              <a:ext uri="{FF2B5EF4-FFF2-40B4-BE49-F238E27FC236}">
-                <a16:creationId xmlns:a16="http://schemas.microsoft.com/office/drawing/2014/main" xmlns="" id="{27AED49C-70C3-6B48-9602-76C3076DE78D}"/>
-              </a:ext>
-            </a:extLst>
-          </p:cNvPr>
-          <p:cNvSpPr>
-            <a:spLocks noGrp="1"/>
-          </p:cNvSpPr>
-          <p:nvPr>
-            <p:ph type="title"/>
-          </p:nvPr>
-        </p:nvSpPr>
-        <p:spPr/>
-        <p:txBody>
-          <a:bodyPr/>
-          <a:lstStyle/>
-          <a:p>
-            <a:r>
-              <a:rPr lang="en-US" dirty="0"/>
-              <a:t>Class assignment #4</a:t>
-            </a:r>
-          </a:p>
-        </p:txBody>
-      </p:sp>
-      <p:sp>
-        <p:nvSpPr>
-          <p:cNvPr id="4" name="Text Placeholder 3">
-            <a:extLst>
-              <a:ext uri="{FF2B5EF4-FFF2-40B4-BE49-F238E27FC236}">
-                <a16:creationId xmlns:a16="http://schemas.microsoft.com/office/drawing/2014/main" xmlns="" id="{4B0A7323-2205-E940-AB5A-791A93587B89}"/>
-              </a:ext>
-            </a:extLst>
-          </p:cNvPr>
-          <p:cNvSpPr>
-            <a:spLocks noGrp="1"/>
-          </p:cNvSpPr>
-          <p:nvPr>
-            <p:ph type="body" idx="1"/>
-          </p:nvPr>
-        </p:nvSpPr>
-        <p:spPr/>
-        <p:txBody>
-          <a:bodyPr/>
-          <a:lstStyle/>
-          <a:p>
-            <a:endParaRPr lang="en-US"/>
-          </a:p>
-        </p:txBody>
-      </p:sp>
-    </p:spTree>
-    <p:extLst>
-      <p:ext uri="{BB962C8B-B14F-4D97-AF65-F5344CB8AC3E}">
-        <p14:creationId xmlns:p14="http://schemas.microsoft.com/office/powerpoint/2010/main" val="3932302950"/>
-      </p:ext>
-    </p:extLst>
-  </p:cSld>
-  <p:clrMapOvr>
-    <a:masterClrMapping/>
-  </p:clrMapOvr>
-</p:sld>
-</file>
-
-<file path=ppt/slides/slide15.xml><?xml version="1.0" encoding="utf-8"?>
-<p:sld xmlns:a="http://schemas.openxmlformats.org/drawingml/2006/main" xmlns:r="http://schemas.openxmlformats.org/officeDocument/2006/relationships" xmlns:p="http://schemas.openxmlformats.org/presentationml/2006/main">
-  <p:cSld>
-    <p:spTree>
-      <p:nvGrpSpPr>
-        <p:cNvPr id="1" name=""/>
-        <p:cNvGrpSpPr/>
-        <p:nvPr/>
-      </p:nvGrpSpPr>
-      <p:grpSpPr>
-        <a:xfrm>
-          <a:off x="0" y="0"/>
-          <a:ext cx="0" cy="0"/>
-          <a:chOff x="0" y="0"/>
-          <a:chExt cx="0" cy="0"/>
-        </a:xfrm>
-      </p:grpSpPr>
-      <p:sp>
-        <p:nvSpPr>
-          <p:cNvPr id="2" name="Title 1">
-            <a:extLst>
-              <a:ext uri="{FF2B5EF4-FFF2-40B4-BE49-F238E27FC236}">
-                <a16:creationId xmlns:a16="http://schemas.microsoft.com/office/drawing/2014/main" xmlns="" id="{F370780C-7B72-2B4F-91BA-F1ACC30B88A1}"/>
-              </a:ext>
-            </a:extLst>
-          </p:cNvPr>
-          <p:cNvSpPr>
-            <a:spLocks noGrp="1"/>
-          </p:cNvSpPr>
-          <p:nvPr>
-            <p:ph type="title"/>
-          </p:nvPr>
-        </p:nvSpPr>
-        <p:spPr/>
-        <p:txBody>
-          <a:bodyPr/>
-          <a:lstStyle/>
-          <a:p>
-            <a:endParaRPr lang="en-US"/>
-          </a:p>
-        </p:txBody>
-      </p:sp>
-      <p:sp>
-        <p:nvSpPr>
-          <p:cNvPr id="3" name="Content Placeholder 2">
-            <a:extLst>
-              <a:ext uri="{FF2B5EF4-FFF2-40B4-BE49-F238E27FC236}">
-                <a16:creationId xmlns:a16="http://schemas.microsoft.com/office/drawing/2014/main" xmlns="" id="{089345B3-BE2E-8645-8E4D-679FBF0F4588}"/>
-              </a:ext>
-            </a:extLst>
-          </p:cNvPr>
-          <p:cNvSpPr>
-            <a:spLocks noGrp="1"/>
-          </p:cNvSpPr>
-          <p:nvPr>
-            <p:ph idx="1"/>
-          </p:nvPr>
-        </p:nvSpPr>
-        <p:spPr/>
-        <p:txBody>
-          <a:bodyPr/>
-          <a:lstStyle/>
-          <a:p>
-            <a:r>
-              <a:rPr lang="en-US" dirty="0"/>
-              <a:t>Load a bit over a year’s worth of retail data for an EU online store</a:t>
-            </a:r>
-          </a:p>
-          <a:p>
-            <a:pPr lvl="1"/>
-            <a:r>
-              <a:rPr lang="en-US" dirty="0"/>
-              <a:t>http://3.132.224.162/data/</a:t>
-            </a:r>
-            <a:r>
-              <a:rPr lang="en-US" dirty="0" err="1"/>
-              <a:t>OnlineRetail.csv</a:t>
-            </a:r>
-            <a:endParaRPr lang="en-US" dirty="0"/>
-          </a:p>
-          <a:p>
-            <a:r>
-              <a:rPr lang="en-US" dirty="0"/>
-              <a:t>Do an association analysis</a:t>
-            </a:r>
-          </a:p>
-          <a:p>
-            <a:pPr lvl="1"/>
-            <a:r>
-              <a:rPr lang="en-US" dirty="0"/>
-              <a:t>What variables should you use?</a:t>
-            </a:r>
-          </a:p>
-          <a:p>
-            <a:pPr lvl="1"/>
-            <a:r>
-              <a:rPr lang="en-US" dirty="0"/>
-              <a:t>Should you filter the data?</a:t>
-            </a:r>
-          </a:p>
-          <a:p>
-            <a:r>
-              <a:rPr lang="en-US" dirty="0"/>
-              <a:t>What do the results reveal?</a:t>
-            </a:r>
-          </a:p>
-          <a:p>
-            <a:pPr lvl="1"/>
-            <a:r>
-              <a:rPr lang="en-US" dirty="0"/>
-              <a:t>Interpret the measures of support, confidence and lift for 3 rules (hint – </a:t>
-            </a:r>
-            <a:r>
-              <a:rPr lang="en-US" dirty="0" err="1"/>
-              <a:t>caculate</a:t>
-            </a:r>
-            <a:r>
-              <a:rPr lang="en-US" dirty="0"/>
-              <a:t> </a:t>
-            </a:r>
-            <a:r>
-              <a:rPr lang="en-US" dirty="0" err="1"/>
-              <a:t>NosOfSupportingTransactions</a:t>
-            </a:r>
-            <a:r>
-              <a:rPr lang="en-US" dirty="0"/>
-              <a:t>)</a:t>
-            </a:r>
-          </a:p>
-        </p:txBody>
-      </p:sp>
-    </p:spTree>
-    <p:extLst>
-      <p:ext uri="{BB962C8B-B14F-4D97-AF65-F5344CB8AC3E}">
-        <p14:creationId xmlns:p14="http://schemas.microsoft.com/office/powerpoint/2010/main" val="2708410873"/>
-      </p:ext>
-    </p:extLst>
-  </p:cSld>
-  <p:clrMapOvr>
-    <a:masterClrMapping/>
-  </p:clrMapOvr>
-</p:sld>
-</file>
-
-<file path=ppt/slides/slide16.xml><?xml version="1.0" encoding="utf-8"?>
-<p:sld xmlns:a="http://schemas.openxmlformats.org/drawingml/2006/main" xmlns:r="http://schemas.openxmlformats.org/officeDocument/2006/relationships" xmlns:p="http://schemas.openxmlformats.org/presentationml/2006/main">
-  <p:cSld>
-    <p:spTree>
-      <p:nvGrpSpPr>
-        <p:cNvPr id="1" name=""/>
-        <p:cNvGrpSpPr/>
-        <p:nvPr/>
-      </p:nvGrpSpPr>
-      <p:grpSpPr>
-        <a:xfrm>
-          <a:off x="0" y="0"/>
-          <a:ext cx="0" cy="0"/>
-          <a:chOff x="0" y="0"/>
-          <a:chExt cx="0" cy="0"/>
-        </a:xfrm>
-      </p:grpSpPr>
-      <p:sp>
-        <p:nvSpPr>
-          <p:cNvPr id="2" name="Title 1">
-            <a:extLst>
-              <a:ext uri="{FF2B5EF4-FFF2-40B4-BE49-F238E27FC236}">
-                <a16:creationId xmlns:a16="http://schemas.microsoft.com/office/drawing/2014/main" xmlns="" id="{16C21C7F-DC05-1F49-939F-7B41FA021DAE}"/>
-              </a:ext>
-            </a:extLst>
-          </p:cNvPr>
-          <p:cNvSpPr>
-            <a:spLocks noGrp="1"/>
-          </p:cNvSpPr>
-          <p:nvPr>
-            <p:ph type="title"/>
-          </p:nvPr>
-        </p:nvSpPr>
-        <p:spPr/>
-        <p:txBody>
-          <a:bodyPr/>
-          <a:lstStyle/>
-          <a:p>
-            <a:endParaRPr lang="en-US"/>
-          </a:p>
-        </p:txBody>
-      </p:sp>
-      <p:sp>
-        <p:nvSpPr>
-          <p:cNvPr id="3" name="Content Placeholder 2">
-            <a:extLst>
-              <a:ext uri="{FF2B5EF4-FFF2-40B4-BE49-F238E27FC236}">
-                <a16:creationId xmlns:a16="http://schemas.microsoft.com/office/drawing/2014/main" xmlns="" id="{8044B017-496B-3B41-A552-493BA63AC36A}"/>
-              </a:ext>
-            </a:extLst>
-          </p:cNvPr>
-          <p:cNvSpPr>
-            <a:spLocks noGrp="1"/>
-          </p:cNvSpPr>
-          <p:nvPr>
-            <p:ph idx="1"/>
-          </p:nvPr>
-        </p:nvSpPr>
-        <p:spPr/>
-        <p:txBody>
-          <a:bodyPr/>
-          <a:lstStyle/>
-          <a:p>
-            <a:r>
-              <a:rPr lang="en-US" dirty="0"/>
-              <a:t>Submission – Publish your rule table on Exploratory. Screenshot the images and upload 1 Word file with the names of the 2 people who worked on it. Turn in the following</a:t>
-            </a:r>
-          </a:p>
-          <a:p>
-            <a:pPr lvl="1" fontAlgn="base"/>
-            <a:r>
-              <a:rPr lang="en-US" dirty="0"/>
-              <a:t>Rule table</a:t>
-            </a:r>
-          </a:p>
-          <a:p>
-            <a:pPr lvl="1" fontAlgn="base"/>
-            <a:r>
-              <a:rPr lang="en-US" dirty="0"/>
-              <a:t>Interpretation of 3 rules</a:t>
-            </a:r>
-          </a:p>
-          <a:p>
-            <a:endParaRPr lang="en-US" dirty="0"/>
-          </a:p>
-        </p:txBody>
-      </p:sp>
-    </p:spTree>
-    <p:extLst>
-      <p:ext uri="{BB962C8B-B14F-4D97-AF65-F5344CB8AC3E}">
-        <p14:creationId xmlns:p14="http://schemas.microsoft.com/office/powerpoint/2010/main" val="3756482606"/>
       </p:ext>
     </p:extLst>
   </p:cSld>
@@ -4803,7 +3524,7 @@
           <p:cNvPr id="2" name="Title 1">
             <a:extLst>
               <a:ext uri="{FF2B5EF4-FFF2-40B4-BE49-F238E27FC236}">
-                <a16:creationId xmlns:a16="http://schemas.microsoft.com/office/drawing/2014/main" xmlns="" id="{EB65D5AC-D322-5A42-B290-5B829B1CD47E}"/>
+                <a16:creationId xmlns="" xmlns:a16="http://schemas.microsoft.com/office/drawing/2014/main" id="{EB65D5AC-D322-5A42-B290-5B829B1CD47E}"/>
               </a:ext>
             </a:extLst>
           </p:cNvPr>
@@ -4831,7 +3552,7 @@
           <p:cNvPr id="3" name="Content Placeholder 2">
             <a:extLst>
               <a:ext uri="{FF2B5EF4-FFF2-40B4-BE49-F238E27FC236}">
-                <a16:creationId xmlns:a16="http://schemas.microsoft.com/office/drawing/2014/main" xmlns="" id="{3C3BF9E2-F503-6A4D-A877-B056A96D88E1}"/>
+                <a16:creationId xmlns="" xmlns:a16="http://schemas.microsoft.com/office/drawing/2014/main" id="{3C3BF9E2-F503-6A4D-A877-B056A96D88E1}"/>
               </a:ext>
             </a:extLst>
           </p:cNvPr>
@@ -4950,7 +3671,7 @@
           <p:cNvPr id="2" name="Title 1">
             <a:extLst>
               <a:ext uri="{FF2B5EF4-FFF2-40B4-BE49-F238E27FC236}">
-                <a16:creationId xmlns:a16="http://schemas.microsoft.com/office/drawing/2014/main" xmlns="" id="{EB65D5AC-D322-5A42-B290-5B829B1CD47E}"/>
+                <a16:creationId xmlns="" xmlns:a16="http://schemas.microsoft.com/office/drawing/2014/main" id="{EB65D5AC-D322-5A42-B290-5B829B1CD47E}"/>
               </a:ext>
             </a:extLst>
           </p:cNvPr>
@@ -4986,7 +3707,7 @@
           <p:cNvPr id="3" name="Content Placeholder 2">
             <a:extLst>
               <a:ext uri="{FF2B5EF4-FFF2-40B4-BE49-F238E27FC236}">
-                <a16:creationId xmlns:a16="http://schemas.microsoft.com/office/drawing/2014/main" xmlns="" id="{3C3BF9E2-F503-6A4D-A877-B056A96D88E1}"/>
+                <a16:creationId xmlns="" xmlns:a16="http://schemas.microsoft.com/office/drawing/2014/main" id="{3C3BF9E2-F503-6A4D-A877-B056A96D88E1}"/>
               </a:ext>
             </a:extLst>
           </p:cNvPr>
@@ -5083,7 +3804,7 @@
           <p:cNvPr id="3" name="Picture 2">
             <a:extLst>
               <a:ext uri="{FF2B5EF4-FFF2-40B4-BE49-F238E27FC236}">
-                <a16:creationId xmlns:a16="http://schemas.microsoft.com/office/drawing/2014/main" xmlns="" id="{76F18694-8EA3-BB4C-A85F-59EA080973BB}"/>
+                <a16:creationId xmlns="" xmlns:a16="http://schemas.microsoft.com/office/drawing/2014/main" id="{76F18694-8EA3-BB4C-A85F-59EA080973BB}"/>
               </a:ext>
             </a:extLst>
           </p:cNvPr>
@@ -5112,504 +3833,6 @@
     <p:extLst>
       <p:ext uri="{BB962C8B-B14F-4D97-AF65-F5344CB8AC3E}">
         <p14:creationId xmlns:p14="http://schemas.microsoft.com/office/powerpoint/2010/main" val="3930917464"/>
-      </p:ext>
-    </p:extLst>
-  </p:cSld>
-  <p:clrMapOvr>
-    <a:masterClrMapping/>
-  </p:clrMapOvr>
-</p:sld>
-</file>
-
-<file path=ppt/slides/slide5.xml><?xml version="1.0" encoding="utf-8"?>
-<p:sld xmlns:a="http://schemas.openxmlformats.org/drawingml/2006/main" xmlns:r="http://schemas.openxmlformats.org/officeDocument/2006/relationships" xmlns:p="http://schemas.openxmlformats.org/presentationml/2006/main">
-  <p:cSld>
-    <p:spTree>
-      <p:nvGrpSpPr>
-        <p:cNvPr id="1" name=""/>
-        <p:cNvGrpSpPr/>
-        <p:nvPr/>
-      </p:nvGrpSpPr>
-      <p:grpSpPr>
-        <a:xfrm>
-          <a:off x="0" y="0"/>
-          <a:ext cx="0" cy="0"/>
-          <a:chOff x="0" y="0"/>
-          <a:chExt cx="0" cy="0"/>
-        </a:xfrm>
-      </p:grpSpPr>
-      <p:sp>
-        <p:nvSpPr>
-          <p:cNvPr id="3" name="Title 2">
-            <a:extLst>
-              <a:ext uri="{FF2B5EF4-FFF2-40B4-BE49-F238E27FC236}">
-                <a16:creationId xmlns:a16="http://schemas.microsoft.com/office/drawing/2014/main" xmlns="" id="{27AED49C-70C3-6B48-9602-76C3076DE78D}"/>
-              </a:ext>
-            </a:extLst>
-          </p:cNvPr>
-          <p:cNvSpPr>
-            <a:spLocks noGrp="1"/>
-          </p:cNvSpPr>
-          <p:nvPr>
-            <p:ph type="title"/>
-          </p:nvPr>
-        </p:nvSpPr>
-        <p:spPr/>
-        <p:txBody>
-          <a:bodyPr/>
-          <a:lstStyle/>
-          <a:p>
-            <a:r>
-              <a:rPr lang="en-US" dirty="0"/>
-              <a:t>Class assignment #3</a:t>
-            </a:r>
-          </a:p>
-        </p:txBody>
-      </p:sp>
-      <p:sp>
-        <p:nvSpPr>
-          <p:cNvPr id="4" name="Text Placeholder 3">
-            <a:extLst>
-              <a:ext uri="{FF2B5EF4-FFF2-40B4-BE49-F238E27FC236}">
-                <a16:creationId xmlns:a16="http://schemas.microsoft.com/office/drawing/2014/main" xmlns="" id="{4B0A7323-2205-E940-AB5A-791A93587B89}"/>
-              </a:ext>
-            </a:extLst>
-          </p:cNvPr>
-          <p:cNvSpPr>
-            <a:spLocks noGrp="1"/>
-          </p:cNvSpPr>
-          <p:nvPr>
-            <p:ph type="body" idx="1"/>
-          </p:nvPr>
-        </p:nvSpPr>
-        <p:spPr/>
-        <p:txBody>
-          <a:bodyPr/>
-          <a:lstStyle/>
-          <a:p>
-            <a:endParaRPr lang="en-US"/>
-          </a:p>
-        </p:txBody>
-      </p:sp>
-    </p:spTree>
-    <p:extLst>
-      <p:ext uri="{BB962C8B-B14F-4D97-AF65-F5344CB8AC3E}">
-        <p14:creationId xmlns:p14="http://schemas.microsoft.com/office/powerpoint/2010/main" val="3803571803"/>
-      </p:ext>
-    </p:extLst>
-  </p:cSld>
-  <p:clrMapOvr>
-    <a:masterClrMapping/>
-  </p:clrMapOvr>
-</p:sld>
-</file>
-
-<file path=ppt/slides/slide6.xml><?xml version="1.0" encoding="utf-8"?>
-<p:sld xmlns:a="http://schemas.openxmlformats.org/drawingml/2006/main" xmlns:r="http://schemas.openxmlformats.org/officeDocument/2006/relationships" xmlns:p="http://schemas.openxmlformats.org/presentationml/2006/main">
-  <p:cSld>
-    <p:spTree>
-      <p:nvGrpSpPr>
-        <p:cNvPr id="1" name=""/>
-        <p:cNvGrpSpPr/>
-        <p:nvPr/>
-      </p:nvGrpSpPr>
-      <p:grpSpPr>
-        <a:xfrm>
-          <a:off x="0" y="0"/>
-          <a:ext cx="0" cy="0"/>
-          <a:chOff x="0" y="0"/>
-          <a:chExt cx="0" cy="0"/>
-        </a:xfrm>
-      </p:grpSpPr>
-      <p:sp>
-        <p:nvSpPr>
-          <p:cNvPr id="2" name="Title 1">
-            <a:extLst>
-              <a:ext uri="{FF2B5EF4-FFF2-40B4-BE49-F238E27FC236}">
-                <a16:creationId xmlns:a16="http://schemas.microsoft.com/office/drawing/2014/main" xmlns="" id="{F370780C-7B72-2B4F-91BA-F1ACC30B88A1}"/>
-              </a:ext>
-            </a:extLst>
-          </p:cNvPr>
-          <p:cNvSpPr>
-            <a:spLocks noGrp="1"/>
-          </p:cNvSpPr>
-          <p:nvPr>
-            <p:ph type="title"/>
-          </p:nvPr>
-        </p:nvSpPr>
-        <p:spPr/>
-        <p:txBody>
-          <a:bodyPr/>
-          <a:lstStyle/>
-          <a:p>
-            <a:endParaRPr lang="en-US"/>
-          </a:p>
-        </p:txBody>
-      </p:sp>
-      <p:sp>
-        <p:nvSpPr>
-          <p:cNvPr id="3" name="Content Placeholder 2">
-            <a:extLst>
-              <a:ext uri="{FF2B5EF4-FFF2-40B4-BE49-F238E27FC236}">
-                <a16:creationId xmlns:a16="http://schemas.microsoft.com/office/drawing/2014/main" xmlns="" id="{089345B3-BE2E-8645-8E4D-679FBF0F4588}"/>
-              </a:ext>
-            </a:extLst>
-          </p:cNvPr>
-          <p:cNvSpPr>
-            <a:spLocks noGrp="1"/>
-          </p:cNvSpPr>
-          <p:nvPr>
-            <p:ph idx="1"/>
-          </p:nvPr>
-        </p:nvSpPr>
-        <p:spPr/>
-        <p:txBody>
-          <a:bodyPr>
-            <a:normAutofit/>
-          </a:bodyPr>
-          <a:lstStyle/>
-          <a:p>
-            <a:r>
-              <a:rPr lang="en-US" dirty="0"/>
-              <a:t>Load a bit over a year’s worth of retail data for a EU online store</a:t>
-            </a:r>
-          </a:p>
-          <a:p>
-            <a:pPr lvl="1"/>
-            <a:r>
-              <a:rPr lang="en-US" dirty="0">
-                <a:hlinkClick r:id="rId2"/>
-              </a:rPr>
-              <a:t>OnlineRetail.csv</a:t>
-            </a:r>
-            <a:endParaRPr lang="en-US" dirty="0"/>
-          </a:p>
-          <a:p>
-            <a:pPr lvl="1"/>
-            <a:r>
-              <a:rPr lang="en-US" dirty="0"/>
-              <a:t>Compute the revenue of each sale</a:t>
-            </a:r>
-          </a:p>
-          <a:p>
-            <a:r>
-              <a:rPr lang="en-US" dirty="0"/>
-              <a:t>Forecast total weekly revenue for the next 10 weeks</a:t>
-            </a:r>
-          </a:p>
-          <a:p>
-            <a:pPr lvl="1"/>
-            <a:r>
-              <a:rPr lang="en-US" dirty="0"/>
-              <a:t>Should you consider seasonality?</a:t>
-            </a:r>
-          </a:p>
-          <a:p>
-            <a:r>
-              <a:rPr lang="en-US" dirty="0"/>
-              <a:t>Create a visualization showing actual and trend</a:t>
-            </a:r>
-          </a:p>
-        </p:txBody>
-      </p:sp>
-    </p:spTree>
-    <p:extLst>
-      <p:ext uri="{BB962C8B-B14F-4D97-AF65-F5344CB8AC3E}">
-        <p14:creationId xmlns:p14="http://schemas.microsoft.com/office/powerpoint/2010/main" val="1620903247"/>
-      </p:ext>
-    </p:extLst>
-  </p:cSld>
-  <p:clrMapOvr>
-    <a:masterClrMapping/>
-  </p:clrMapOvr>
-</p:sld>
-</file>
-
-<file path=ppt/slides/slide7.xml><?xml version="1.0" encoding="utf-8"?>
-<p:sld xmlns:a="http://schemas.openxmlformats.org/drawingml/2006/main" xmlns:r="http://schemas.openxmlformats.org/officeDocument/2006/relationships" xmlns:p="http://schemas.openxmlformats.org/presentationml/2006/main">
-  <p:cSld>
-    <p:spTree>
-      <p:nvGrpSpPr>
-        <p:cNvPr id="1" name=""/>
-        <p:cNvGrpSpPr/>
-        <p:nvPr/>
-      </p:nvGrpSpPr>
-      <p:grpSpPr>
-        <a:xfrm>
-          <a:off x="0" y="0"/>
-          <a:ext cx="0" cy="0"/>
-          <a:chOff x="0" y="0"/>
-          <a:chExt cx="0" cy="0"/>
-        </a:xfrm>
-      </p:grpSpPr>
-      <p:sp>
-        <p:nvSpPr>
-          <p:cNvPr id="2" name="Title 1">
-            <a:extLst>
-              <a:ext uri="{FF2B5EF4-FFF2-40B4-BE49-F238E27FC236}">
-                <a16:creationId xmlns:a16="http://schemas.microsoft.com/office/drawing/2014/main" xmlns="" id="{9E69D7A8-6105-C449-83D9-B4ACA92BB431}"/>
-              </a:ext>
-            </a:extLst>
-          </p:cNvPr>
-          <p:cNvSpPr>
-            <a:spLocks noGrp="1"/>
-          </p:cNvSpPr>
-          <p:nvPr>
-            <p:ph type="title"/>
-          </p:nvPr>
-        </p:nvSpPr>
-        <p:spPr/>
-        <p:txBody>
-          <a:bodyPr/>
-          <a:lstStyle/>
-          <a:p>
-            <a:endParaRPr lang="en-US"/>
-          </a:p>
-        </p:txBody>
-      </p:sp>
-      <p:sp>
-        <p:nvSpPr>
-          <p:cNvPr id="3" name="Content Placeholder 2">
-            <a:extLst>
-              <a:ext uri="{FF2B5EF4-FFF2-40B4-BE49-F238E27FC236}">
-                <a16:creationId xmlns:a16="http://schemas.microsoft.com/office/drawing/2014/main" xmlns="" id="{3D80D78A-0392-3E46-8BEF-B258A3FA94B9}"/>
-              </a:ext>
-            </a:extLst>
-          </p:cNvPr>
-          <p:cNvSpPr>
-            <a:spLocks noGrp="1"/>
-          </p:cNvSpPr>
-          <p:nvPr>
-            <p:ph idx="1"/>
-          </p:nvPr>
-        </p:nvSpPr>
-        <p:spPr/>
-        <p:txBody>
-          <a:bodyPr/>
-          <a:lstStyle/>
-          <a:p>
-            <a:r>
-              <a:rPr lang="en-US" dirty="0"/>
-              <a:t>Submission – Publish your tables and charts on Exploratory. Screenshot the images and upload 1 Word file with the names of the 2 people who worked on it. Turn in the following</a:t>
-            </a:r>
-          </a:p>
-          <a:p>
-            <a:pPr lvl="1" fontAlgn="base"/>
-            <a:r>
-              <a:rPr lang="en-US" dirty="0"/>
-              <a:t>Forecast for the next 10 weeks</a:t>
-            </a:r>
-          </a:p>
-          <a:p>
-            <a:pPr lvl="1" fontAlgn="base"/>
-            <a:r>
-              <a:rPr lang="en-US" dirty="0"/>
-              <a:t>Visualization showing actual and trend</a:t>
-            </a:r>
-          </a:p>
-          <a:p>
-            <a:pPr marL="0" indent="0">
-              <a:buNone/>
-            </a:pPr>
-            <a:endParaRPr lang="en-US" dirty="0"/>
-          </a:p>
-        </p:txBody>
-      </p:sp>
-    </p:spTree>
-    <p:extLst>
-      <p:ext uri="{BB962C8B-B14F-4D97-AF65-F5344CB8AC3E}">
-        <p14:creationId xmlns:p14="http://schemas.microsoft.com/office/powerpoint/2010/main" val="405529393"/>
-      </p:ext>
-    </p:extLst>
-  </p:cSld>
-  <p:clrMapOvr>
-    <a:masterClrMapping/>
-  </p:clrMapOvr>
-</p:sld>
-</file>
-
-<file path=ppt/slides/slide8.xml><?xml version="1.0" encoding="utf-8"?>
-<p:sld xmlns:a="http://schemas.openxmlformats.org/drawingml/2006/main" xmlns:r="http://schemas.openxmlformats.org/officeDocument/2006/relationships" xmlns:p="http://schemas.openxmlformats.org/presentationml/2006/main">
-  <p:cSld>
-    <p:spTree>
-      <p:nvGrpSpPr>
-        <p:cNvPr id="1" name=""/>
-        <p:cNvGrpSpPr/>
-        <p:nvPr/>
-      </p:nvGrpSpPr>
-      <p:grpSpPr>
-        <a:xfrm>
-          <a:off x="0" y="0"/>
-          <a:ext cx="0" cy="0"/>
-          <a:chOff x="0" y="0"/>
-          <a:chExt cx="0" cy="0"/>
-        </a:xfrm>
-      </p:grpSpPr>
-      <p:sp>
-        <p:nvSpPr>
-          <p:cNvPr id="2" name="Title 1">
-            <a:extLst>
-              <a:ext uri="{FF2B5EF4-FFF2-40B4-BE49-F238E27FC236}">
-                <a16:creationId xmlns:a16="http://schemas.microsoft.com/office/drawing/2014/main" xmlns="" id="{5022564F-9B06-5F46-B565-CA276C191550}"/>
-              </a:ext>
-            </a:extLst>
-          </p:cNvPr>
-          <p:cNvSpPr>
-            <a:spLocks noGrp="1"/>
-          </p:cNvSpPr>
-          <p:nvPr>
-            <p:ph type="title"/>
-          </p:nvPr>
-        </p:nvSpPr>
-        <p:spPr/>
-        <p:txBody>
-          <a:bodyPr/>
-          <a:lstStyle/>
-          <a:p>
-            <a:r>
-              <a:rPr lang="en-US" dirty="0"/>
-              <a:t>Weekly sales forecast</a:t>
-            </a:r>
-          </a:p>
-        </p:txBody>
-      </p:sp>
-      <p:pic>
-        <p:nvPicPr>
-          <p:cNvPr id="7" name="Content Placeholder 6">
-            <a:extLst>
-              <a:ext uri="{FF2B5EF4-FFF2-40B4-BE49-F238E27FC236}">
-                <a16:creationId xmlns:a16="http://schemas.microsoft.com/office/drawing/2014/main" xmlns="" id="{442600C7-7493-FE42-A941-73CF11BED8F4}"/>
-              </a:ext>
-            </a:extLst>
-          </p:cNvPr>
-          <p:cNvPicPr>
-            <a:picLocks noGrp="1" noChangeAspect="1"/>
-          </p:cNvPicPr>
-          <p:nvPr>
-            <p:ph idx="1"/>
-          </p:nvPr>
-        </p:nvPicPr>
-        <p:blipFill>
-          <a:blip r:embed="rId2"/>
-          <a:stretch>
-            <a:fillRect/>
-          </a:stretch>
-        </p:blipFill>
-        <p:spPr>
-          <a:xfrm>
-            <a:off x="2832497" y="1825625"/>
-            <a:ext cx="6527007" cy="4351338"/>
-          </a:xfrm>
-        </p:spPr>
-      </p:pic>
-    </p:spTree>
-    <p:extLst>
-      <p:ext uri="{BB962C8B-B14F-4D97-AF65-F5344CB8AC3E}">
-        <p14:creationId xmlns:p14="http://schemas.microsoft.com/office/powerpoint/2010/main" val="1374045672"/>
-      </p:ext>
-    </p:extLst>
-  </p:cSld>
-  <p:clrMapOvr>
-    <a:masterClrMapping/>
-  </p:clrMapOvr>
-</p:sld>
-</file>
-
-<file path=ppt/slides/slide9.xml><?xml version="1.0" encoding="utf-8"?>
-<p:sld xmlns:a="http://schemas.openxmlformats.org/drawingml/2006/main" xmlns:r="http://schemas.openxmlformats.org/officeDocument/2006/relationships" xmlns:p="http://schemas.openxmlformats.org/presentationml/2006/main">
-  <p:cSld>
-    <p:spTree>
-      <p:nvGrpSpPr>
-        <p:cNvPr id="1" name=""/>
-        <p:cNvGrpSpPr/>
-        <p:nvPr/>
-      </p:nvGrpSpPr>
-      <p:grpSpPr>
-        <a:xfrm>
-          <a:off x="0" y="0"/>
-          <a:ext cx="0" cy="0"/>
-          <a:chOff x="0" y="0"/>
-          <a:chExt cx="0" cy="0"/>
-        </a:xfrm>
-      </p:grpSpPr>
-      <p:sp>
-        <p:nvSpPr>
-          <p:cNvPr id="2" name="Title 1">
-            <a:extLst>
-              <a:ext uri="{FF2B5EF4-FFF2-40B4-BE49-F238E27FC236}">
-                <a16:creationId xmlns:a16="http://schemas.microsoft.com/office/drawing/2014/main" xmlns="" id="{D1FDC9B4-91EE-3E47-AC59-C643B5261E19}"/>
-              </a:ext>
-            </a:extLst>
-          </p:cNvPr>
-          <p:cNvSpPr>
-            <a:spLocks noGrp="1"/>
-          </p:cNvSpPr>
-          <p:nvPr>
-            <p:ph type="title"/>
-          </p:nvPr>
-        </p:nvSpPr>
-        <p:spPr/>
-        <p:txBody>
-          <a:bodyPr/>
-          <a:lstStyle/>
-          <a:p>
-            <a:r>
-              <a:rPr lang="en-US" dirty="0"/>
-              <a:t>Prescriptive analytics</a:t>
-            </a:r>
-          </a:p>
-        </p:txBody>
-      </p:sp>
-      <p:sp>
-        <p:nvSpPr>
-          <p:cNvPr id="3" name="Content Placeholder 2">
-            <a:extLst>
-              <a:ext uri="{FF2B5EF4-FFF2-40B4-BE49-F238E27FC236}">
-                <a16:creationId xmlns:a16="http://schemas.microsoft.com/office/drawing/2014/main" xmlns="" id="{CF472127-43DA-8049-B928-B5D75F4F48E3}"/>
-              </a:ext>
-            </a:extLst>
-          </p:cNvPr>
-          <p:cNvSpPr>
-            <a:spLocks noGrp="1"/>
-          </p:cNvSpPr>
-          <p:nvPr>
-            <p:ph idx="1"/>
-          </p:nvPr>
-        </p:nvSpPr>
-        <p:spPr/>
-        <p:txBody>
-          <a:bodyPr/>
-          <a:lstStyle/>
-          <a:p>
-            <a:r>
-              <a:rPr lang="en-US" dirty="0"/>
-              <a:t>Read from a database</a:t>
-            </a:r>
-          </a:p>
-          <a:p>
-            <a:r>
-              <a:rPr lang="en-US" dirty="0"/>
-              <a:t>Data wrangling for basket of good analysis</a:t>
-            </a:r>
-          </a:p>
-          <a:p>
-            <a:r>
-              <a:rPr lang="en-US" dirty="0"/>
-              <a:t>Basket of goods analysis using association</a:t>
-            </a:r>
-          </a:p>
-          <a:p>
-            <a:r>
-              <a:rPr lang="en-US" dirty="0"/>
-              <a:t>Prescribe rules</a:t>
-            </a:r>
-          </a:p>
-        </p:txBody>
-      </p:sp>
-    </p:spTree>
-    <p:extLst>
-      <p:ext uri="{BB962C8B-B14F-4D97-AF65-F5344CB8AC3E}">
-        <p14:creationId xmlns:p14="http://schemas.microsoft.com/office/powerpoint/2010/main" val="778906421"/>
       </p:ext>
     </p:extLst>
   </p:cSld>

--- a/Predictive analytics.pptx
+++ b/Predictive analytics.pptx
@@ -200,7 +200,7 @@
           <a:p>
             <a:fld id="{FE2C0668-E993-4CD9-80C2-33F5AED418A4}" type="datetimeFigureOut">
               <a:rPr lang="en-US" smtClean="0"/>
-              <a:t>6/4/2020</a:t>
+              <a:t>6/5/2020</a:t>
             </a:fld>
             <a:endParaRPr lang="en-US"/>
           </a:p>
@@ -689,7 +689,7 @@
           <a:p>
             <a:fld id="{EF03E637-4123-41CE-83B4-2036BDF244B9}" type="datetimeFigureOut">
               <a:rPr lang="en-US" smtClean="0"/>
-              <a:t>6/4/2020</a:t>
+              <a:t>6/5/2020</a:t>
             </a:fld>
             <a:endParaRPr lang="en-US"/>
           </a:p>
@@ -859,7 +859,7 @@
           <a:p>
             <a:fld id="{EF03E637-4123-41CE-83B4-2036BDF244B9}" type="datetimeFigureOut">
               <a:rPr lang="en-US" smtClean="0"/>
-              <a:t>6/4/2020</a:t>
+              <a:t>6/5/2020</a:t>
             </a:fld>
             <a:endParaRPr lang="en-US"/>
           </a:p>
@@ -1039,7 +1039,7 @@
           <a:p>
             <a:fld id="{EF03E637-4123-41CE-83B4-2036BDF244B9}" type="datetimeFigureOut">
               <a:rPr lang="en-US" smtClean="0"/>
-              <a:t>6/4/2020</a:t>
+              <a:t>6/5/2020</a:t>
             </a:fld>
             <a:endParaRPr lang="en-US"/>
           </a:p>
@@ -1209,7 +1209,7 @@
           <a:p>
             <a:fld id="{EF03E637-4123-41CE-83B4-2036BDF244B9}" type="datetimeFigureOut">
               <a:rPr lang="en-US" smtClean="0"/>
-              <a:t>6/4/2020</a:t>
+              <a:t>6/5/2020</a:t>
             </a:fld>
             <a:endParaRPr lang="en-US"/>
           </a:p>
@@ -1455,7 +1455,7 @@
           <a:p>
             <a:fld id="{EF03E637-4123-41CE-83B4-2036BDF244B9}" type="datetimeFigureOut">
               <a:rPr lang="en-US" smtClean="0"/>
-              <a:t>6/4/2020</a:t>
+              <a:t>6/5/2020</a:t>
             </a:fld>
             <a:endParaRPr lang="en-US"/>
           </a:p>
@@ -1687,7 +1687,7 @@
           <a:p>
             <a:fld id="{EF03E637-4123-41CE-83B4-2036BDF244B9}" type="datetimeFigureOut">
               <a:rPr lang="en-US" smtClean="0"/>
-              <a:t>6/4/2020</a:t>
+              <a:t>6/5/2020</a:t>
             </a:fld>
             <a:endParaRPr lang="en-US"/>
           </a:p>
@@ -2054,7 +2054,7 @@
           <a:p>
             <a:fld id="{EF03E637-4123-41CE-83B4-2036BDF244B9}" type="datetimeFigureOut">
               <a:rPr lang="en-US" smtClean="0"/>
-              <a:t>6/4/2020</a:t>
+              <a:t>6/5/2020</a:t>
             </a:fld>
             <a:endParaRPr lang="en-US"/>
           </a:p>
@@ -2172,7 +2172,7 @@
           <a:p>
             <a:fld id="{EF03E637-4123-41CE-83B4-2036BDF244B9}" type="datetimeFigureOut">
               <a:rPr lang="en-US" smtClean="0"/>
-              <a:t>6/4/2020</a:t>
+              <a:t>6/5/2020</a:t>
             </a:fld>
             <a:endParaRPr lang="en-US"/>
           </a:p>
@@ -2267,7 +2267,7 @@
           <a:p>
             <a:fld id="{EF03E637-4123-41CE-83B4-2036BDF244B9}" type="datetimeFigureOut">
               <a:rPr lang="en-US" smtClean="0"/>
-              <a:t>6/4/2020</a:t>
+              <a:t>6/5/2020</a:t>
             </a:fld>
             <a:endParaRPr lang="en-US"/>
           </a:p>
@@ -2544,7 +2544,7 @@
           <a:p>
             <a:fld id="{EF03E637-4123-41CE-83B4-2036BDF244B9}" type="datetimeFigureOut">
               <a:rPr lang="en-US" smtClean="0"/>
-              <a:t>6/4/2020</a:t>
+              <a:t>6/5/2020</a:t>
             </a:fld>
             <a:endParaRPr lang="en-US"/>
           </a:p>
@@ -2797,7 +2797,7 @@
           <a:p>
             <a:fld id="{EF03E637-4123-41CE-83B4-2036BDF244B9}" type="datetimeFigureOut">
               <a:rPr lang="en-US" smtClean="0"/>
-              <a:t>6/4/2020</a:t>
+              <a:t>6/5/2020</a:t>
             </a:fld>
             <a:endParaRPr lang="en-US"/>
           </a:p>
@@ -3010,7 +3010,7 @@
           <a:p>
             <a:fld id="{EF03E637-4123-41CE-83B4-2036BDF244B9}" type="datetimeFigureOut">
               <a:rPr lang="en-US" smtClean="0"/>
-              <a:t>6/4/2020</a:t>
+              <a:t>6/5/2020</a:t>
             </a:fld>
             <a:endParaRPr lang="en-US"/>
           </a:p>
@@ -3420,7 +3420,7 @@
           <p:cNvPr id="2" name="Title 1">
             <a:extLst>
               <a:ext uri="{FF2B5EF4-FFF2-40B4-BE49-F238E27FC236}">
-                <a16:creationId xmlns="" xmlns:a16="http://schemas.microsoft.com/office/drawing/2014/main" id="{015EA5D6-2875-FB49-9F33-AA864FEAA69B}"/>
+                <a16:creationId xmlns:a16="http://schemas.microsoft.com/office/drawing/2014/main" xmlns="" id="{015EA5D6-2875-FB49-9F33-AA864FEAA69B}"/>
               </a:ext>
             </a:extLst>
           </p:cNvPr>
@@ -3448,7 +3448,7 @@
           <p:cNvPr id="3" name="Content Placeholder 2">
             <a:extLst>
               <a:ext uri="{FF2B5EF4-FFF2-40B4-BE49-F238E27FC236}">
-                <a16:creationId xmlns="" xmlns:a16="http://schemas.microsoft.com/office/drawing/2014/main" id="{EEB530B9-3E21-764B-A075-DC11881BD28F}"/>
+                <a16:creationId xmlns:a16="http://schemas.microsoft.com/office/drawing/2014/main" xmlns="" id="{EEB530B9-3E21-764B-A075-DC11881BD28F}"/>
               </a:ext>
             </a:extLst>
           </p:cNvPr>
@@ -3524,7 +3524,7 @@
           <p:cNvPr id="2" name="Title 1">
             <a:extLst>
               <a:ext uri="{FF2B5EF4-FFF2-40B4-BE49-F238E27FC236}">
-                <a16:creationId xmlns="" xmlns:a16="http://schemas.microsoft.com/office/drawing/2014/main" id="{EB65D5AC-D322-5A42-B290-5B829B1CD47E}"/>
+                <a16:creationId xmlns:a16="http://schemas.microsoft.com/office/drawing/2014/main" xmlns="" id="{EB65D5AC-D322-5A42-B290-5B829B1CD47E}"/>
               </a:ext>
             </a:extLst>
           </p:cNvPr>
@@ -3552,7 +3552,7 @@
           <p:cNvPr id="3" name="Content Placeholder 2">
             <a:extLst>
               <a:ext uri="{FF2B5EF4-FFF2-40B4-BE49-F238E27FC236}">
-                <a16:creationId xmlns="" xmlns:a16="http://schemas.microsoft.com/office/drawing/2014/main" id="{3C3BF9E2-F503-6A4D-A877-B056A96D88E1}"/>
+                <a16:creationId xmlns:a16="http://schemas.microsoft.com/office/drawing/2014/main" xmlns="" id="{3C3BF9E2-F503-6A4D-A877-B056A96D88E1}"/>
               </a:ext>
             </a:extLst>
           </p:cNvPr>
@@ -3578,16 +3578,10 @@
           <a:p>
             <a:pPr lvl="1"/>
             <a:r>
-              <a:rPr lang="en-US">
-                <a:hlinkClick r:id="rId2"/>
-              </a:rPr>
-              <a:t>carbon-1651-present</a:t>
-            </a:r>
-            <a:r>
               <a:rPr lang="en-US" dirty="0">
                 <a:hlinkClick r:id="rId2"/>
               </a:rPr>
-              <a:t>.csv</a:t>
+              <a:t>carbon-1651-present.csv</a:t>
             </a:r>
             <a:endParaRPr lang="en-US" dirty="0"/>
           </a:p>
@@ -3671,7 +3665,7 @@
           <p:cNvPr id="2" name="Title 1">
             <a:extLst>
               <a:ext uri="{FF2B5EF4-FFF2-40B4-BE49-F238E27FC236}">
-                <a16:creationId xmlns="" xmlns:a16="http://schemas.microsoft.com/office/drawing/2014/main" id="{EB65D5AC-D322-5A42-B290-5B829B1CD47E}"/>
+                <a16:creationId xmlns:a16="http://schemas.microsoft.com/office/drawing/2014/main" xmlns="" id="{EB65D5AC-D322-5A42-B290-5B829B1CD47E}"/>
               </a:ext>
             </a:extLst>
           </p:cNvPr>
@@ -3707,7 +3701,7 @@
           <p:cNvPr id="3" name="Content Placeholder 2">
             <a:extLst>
               <a:ext uri="{FF2B5EF4-FFF2-40B4-BE49-F238E27FC236}">
-                <a16:creationId xmlns="" xmlns:a16="http://schemas.microsoft.com/office/drawing/2014/main" id="{3C3BF9E2-F503-6A4D-A877-B056A96D88E1}"/>
+                <a16:creationId xmlns:a16="http://schemas.microsoft.com/office/drawing/2014/main" xmlns="" id="{3C3BF9E2-F503-6A4D-A877-B056A96D88E1}"/>
               </a:ext>
             </a:extLst>
           </p:cNvPr>
@@ -3804,7 +3798,7 @@
           <p:cNvPr id="3" name="Picture 2">
             <a:extLst>
               <a:ext uri="{FF2B5EF4-FFF2-40B4-BE49-F238E27FC236}">
-                <a16:creationId xmlns="" xmlns:a16="http://schemas.microsoft.com/office/drawing/2014/main" id="{76F18694-8EA3-BB4C-A85F-59EA080973BB}"/>
+                <a16:creationId xmlns:a16="http://schemas.microsoft.com/office/drawing/2014/main" xmlns="" id="{76F18694-8EA3-BB4C-A85F-59EA080973BB}"/>
               </a:ext>
             </a:extLst>
           </p:cNvPr>
